--- a/(PranavMistry) CFS Azure Native Developer Training.pptx
+++ b/(PranavMistry) CFS Azure Native Developer Training.pptx
@@ -172,7 +172,7 @@
 <file path=ppt/revisionInfo.xml><?xml version="1.0" encoding="utf-8"?>
 <p1510:revInfo xmlns:a="http://schemas.openxmlformats.org/drawingml/2006/main" xmlns:r="http://schemas.openxmlformats.org/officeDocument/2006/relationships" xmlns:p1510="http://schemas.microsoft.com/office/powerpoint/2015/10/main">
   <p1510:revLst>
-    <p1510:client id="{FD5A7601-8F1F-4E8C-A98D-ED4B80700CCC}" v="59" dt="2021-09-23T07:09:28.686"/>
+    <p1510:client id="{FD5A7601-8F1F-4E8C-A98D-ED4B80700CCC}" v="60" dt="2021-09-28T17:48:44.138"/>
   </p1510:revLst>
 </p1510:revInfo>
 </file>
@@ -182,7 +182,7 @@
   <pc:docChgLst>
     <pc:chgData name="Mistry, Pranav (External)" userId="d5719382-556e-4a00-a648-cc6b6c70c351" providerId="ADAL" clId="{FD5A7601-8F1F-4E8C-A98D-ED4B80700CCC}"/>
     <pc:docChg chg="undo custSel addSld delSld modSld modMainMaster">
-      <pc:chgData name="Mistry, Pranav (External)" userId="d5719382-556e-4a00-a648-cc6b6c70c351" providerId="ADAL" clId="{FD5A7601-8F1F-4E8C-A98D-ED4B80700CCC}" dt="2021-09-23T07:09:31.343" v="4291" actId="1076"/>
+      <pc:chgData name="Mistry, Pranav (External)" userId="d5719382-556e-4a00-a648-cc6b6c70c351" providerId="ADAL" clId="{FD5A7601-8F1F-4E8C-A98D-ED4B80700CCC}" dt="2021-09-28T17:51:51.724" v="4688" actId="1076"/>
       <pc:docMkLst>
         <pc:docMk/>
       </pc:docMkLst>
@@ -755,25 +755,33 @@
         </pc:picChg>
       </pc:sldChg>
       <pc:sldChg chg="addSp delSp modSp add mod delAnim modAnim">
-        <pc:chgData name="Mistry, Pranav (External)" userId="d5719382-556e-4a00-a648-cc6b6c70c351" providerId="ADAL" clId="{FD5A7601-8F1F-4E8C-A98D-ED4B80700CCC}" dt="2021-09-22T19:12:03.141" v="3637" actId="20577"/>
+        <pc:chgData name="Mistry, Pranav (External)" userId="d5719382-556e-4a00-a648-cc6b6c70c351" providerId="ADAL" clId="{FD5A7601-8F1F-4E8C-A98D-ED4B80700CCC}" dt="2021-09-28T17:51:51.724" v="4688" actId="1076"/>
         <pc:sldMkLst>
           <pc:docMk/>
           <pc:sldMk cId="1275271518" sldId="348"/>
         </pc:sldMkLst>
         <pc:spChg chg="mod">
-          <ac:chgData name="Mistry, Pranav (External)" userId="d5719382-556e-4a00-a648-cc6b6c70c351" providerId="ADAL" clId="{FD5A7601-8F1F-4E8C-A98D-ED4B80700CCC}" dt="2021-09-22T19:12:03.141" v="3637" actId="20577"/>
+          <ac:chgData name="Mistry, Pranav (External)" userId="d5719382-556e-4a00-a648-cc6b6c70c351" providerId="ADAL" clId="{FD5A7601-8F1F-4E8C-A98D-ED4B80700CCC}" dt="2021-09-28T17:51:43.415" v="4686" actId="20577"/>
           <ac:spMkLst>
             <pc:docMk/>
             <pc:sldMk cId="1275271518" sldId="348"/>
             <ac:spMk id="6" creationId="{0CC2AD0A-02CE-4333-921B-1D29EA4E8F98}"/>
           </ac:spMkLst>
         </pc:spChg>
-        <pc:picChg chg="add mod">
-          <ac:chgData name="Mistry, Pranav (External)" userId="d5719382-556e-4a00-a648-cc6b6c70c351" providerId="ADAL" clId="{FD5A7601-8F1F-4E8C-A98D-ED4B80700CCC}" dt="2021-09-22T15:00:19.082" v="3307" actId="207"/>
+        <pc:picChg chg="add del mod">
+          <ac:chgData name="Mistry, Pranav (External)" userId="d5719382-556e-4a00-a648-cc6b6c70c351" providerId="ADAL" clId="{FD5A7601-8F1F-4E8C-A98D-ED4B80700CCC}" dt="2021-09-28T17:48:43.837" v="4292" actId="478"/>
           <ac:picMkLst>
             <pc:docMk/>
             <pc:sldMk cId="1275271518" sldId="348"/>
             <ac:picMk id="3" creationId="{1AEE161C-CD81-4769-8ADF-1EB1FC001957}"/>
+          </ac:picMkLst>
+        </pc:picChg>
+        <pc:picChg chg="add mod">
+          <ac:chgData name="Mistry, Pranav (External)" userId="d5719382-556e-4a00-a648-cc6b6c70c351" providerId="ADAL" clId="{FD5A7601-8F1F-4E8C-A98D-ED4B80700CCC}" dt="2021-09-28T17:51:51.724" v="4688" actId="1076"/>
+          <ac:picMkLst>
+            <pc:docMk/>
+            <pc:sldMk cId="1275271518" sldId="348"/>
+            <ac:picMk id="4" creationId="{B8CA8690-104C-409F-AEA3-30E11A84469B}"/>
           </ac:picMkLst>
         </pc:picChg>
         <pc:picChg chg="del">
@@ -1207,7 +1215,7 @@
           <a:p>
             <a:fld id="{A9537C3C-A511-4695-A2D5-8D5EBB18CE89}" type="datetimeFigureOut">
               <a:rPr lang="en-US" smtClean="0"/>
-              <a:t>23-Sep-21</a:t>
+              <a:t>28-Sep-21</a:t>
             </a:fld>
             <a:endParaRPr lang="en-US"/>
           </a:p>
@@ -1399,7 +1407,7 @@
               <a:pPr>
                 <a:defRPr/>
               </a:pPr>
-              <a:t>23-Sep-21</a:t>
+              <a:t>28-Sep-21</a:t>
             </a:fld>
             <a:endParaRPr lang="en-US" dirty="0"/>
           </a:p>
@@ -2709,7 +2717,7 @@
           <a:p>
             <a:fld id="{4AAD347D-5ACD-4C99-B74B-A9C85AD731AF}" type="datetimeFigureOut">
               <a:rPr lang="en-US" smtClean="0"/>
-              <a:t>23-Sep-21</a:t>
+              <a:t>28-Sep-21</a:t>
             </a:fld>
             <a:endParaRPr lang="en-US" dirty="0"/>
           </a:p>
@@ -2907,7 +2915,7 @@
           <a:p>
             <a:fld id="{4509A250-FF31-4206-8172-F9D3106AACB1}" type="datetimeFigureOut">
               <a:rPr lang="en-US" smtClean="0"/>
-              <a:t>23-Sep-21</a:t>
+              <a:t>28-Sep-21</a:t>
             </a:fld>
             <a:endParaRPr lang="en-US" dirty="0"/>
           </a:p>
@@ -3115,7 +3123,7 @@
           <a:p>
             <a:fld id="{4509A250-FF31-4206-8172-F9D3106AACB1}" type="datetimeFigureOut">
               <a:rPr lang="en-US" smtClean="0"/>
-              <a:t>23-Sep-21</a:t>
+              <a:t>28-Sep-21</a:t>
             </a:fld>
             <a:endParaRPr lang="en-US" dirty="0"/>
           </a:p>
@@ -7187,7 +7195,7 @@
           <a:p>
             <a:fld id="{4509A250-FF31-4206-8172-F9D3106AACB1}" type="datetimeFigureOut">
               <a:rPr lang="en-US" smtClean="0"/>
-              <a:t>23-Sep-21</a:t>
+              <a:t>28-Sep-21</a:t>
             </a:fld>
             <a:endParaRPr lang="en-US" dirty="0"/>
           </a:p>
@@ -8893,7 +8901,7 @@
           <a:p>
             <a:fld id="{9796027F-7875-4030-9381-8BD8C4F21935}" type="datetimeFigureOut">
               <a:rPr lang="en-US" smtClean="0"/>
-              <a:t>23-Sep-21</a:t>
+              <a:t>28-Sep-21</a:t>
             </a:fld>
             <a:endParaRPr lang="en-US" dirty="0"/>
           </a:p>
@@ -9158,7 +9166,7 @@
           <a:p>
             <a:fld id="{9796027F-7875-4030-9381-8BD8C4F21935}" type="datetimeFigureOut">
               <a:rPr lang="en-US" smtClean="0"/>
-              <a:t>23-Sep-21</a:t>
+              <a:t>28-Sep-21</a:t>
             </a:fld>
             <a:endParaRPr lang="en-US" dirty="0"/>
           </a:p>
@@ -9570,7 +9578,7 @@
           <a:p>
             <a:fld id="{9796027F-7875-4030-9381-8BD8C4F21935}" type="datetimeFigureOut">
               <a:rPr lang="en-US" smtClean="0"/>
-              <a:t>23-Sep-21</a:t>
+              <a:t>28-Sep-21</a:t>
             </a:fld>
             <a:endParaRPr lang="en-US" dirty="0"/>
           </a:p>
@@ -9711,7 +9719,7 @@
           <a:p>
             <a:fld id="{4509A250-FF31-4206-8172-F9D3106AACB1}" type="datetimeFigureOut">
               <a:rPr lang="en-US" smtClean="0"/>
-              <a:t>23-Sep-21</a:t>
+              <a:t>28-Sep-21</a:t>
             </a:fld>
             <a:endParaRPr lang="en-US" dirty="0"/>
           </a:p>
@@ -9824,7 +9832,7 @@
           <a:p>
             <a:fld id="{4509A250-FF31-4206-8172-F9D3106AACB1}" type="datetimeFigureOut">
               <a:rPr lang="en-US" smtClean="0"/>
-              <a:t>23-Sep-21</a:t>
+              <a:t>28-Sep-21</a:t>
             </a:fld>
             <a:endParaRPr lang="en-US" dirty="0"/>
           </a:p>
@@ -10135,7 +10143,7 @@
           <a:p>
             <a:fld id="{4509A250-FF31-4206-8172-F9D3106AACB1}" type="datetimeFigureOut">
               <a:rPr lang="en-US" smtClean="0"/>
-              <a:t>23-Sep-21</a:t>
+              <a:t>28-Sep-21</a:t>
             </a:fld>
             <a:endParaRPr lang="en-US" dirty="0"/>
           </a:p>
@@ -10423,7 +10431,7 @@
           <a:p>
             <a:fld id="{4509A250-FF31-4206-8172-F9D3106AACB1}" type="datetimeFigureOut">
               <a:rPr lang="en-US" smtClean="0"/>
-              <a:t>23-Sep-21</a:t>
+              <a:t>28-Sep-21</a:t>
             </a:fld>
             <a:endParaRPr lang="en-US" dirty="0"/>
           </a:p>
@@ -10664,7 +10672,7 @@
           <a:p>
             <a:fld id="{4AAD347D-5ACD-4C99-B74B-A9C85AD731AF}" type="datetimeFigureOut">
               <a:rPr lang="en-US" smtClean="0"/>
-              <a:t>23-Sep-21</a:t>
+              <a:t>28-Sep-21</a:t>
             </a:fld>
             <a:endParaRPr lang="en-US" dirty="0"/>
           </a:p>
@@ -13553,7 +13561,7 @@
         <p:spPr>
           <a:xfrm>
             <a:off x="795130" y="861392"/>
-            <a:ext cx="10601739" cy="1631216"/>
+            <a:ext cx="10601739" cy="3170099"/>
           </a:xfrm>
           <a:prstGeom prst="rect">
             <a:avLst/>
@@ -13592,8 +13600,53 @@
             </a:r>
             <a:r>
               <a:rPr lang="en-US" sz="2000" dirty="0"/>
-              <a:t>: In progress</a:t>
-            </a:r>
+              <a:t>: Added API Management Services to integrate Angular Client APP with Node Service APP and serve as load balancer.</a:t>
+            </a:r>
+          </a:p>
+          <a:p>
+            <a:pPr marL="971550" lvl="1" indent="-514350">
+              <a:buFont typeface="+mj-lt"/>
+              <a:buAutoNum type="romanLcPeriod"/>
+            </a:pPr>
+            <a:r>
+              <a:rPr lang="en-US" sz="2000" dirty="0"/>
+              <a:t>Created </a:t>
+            </a:r>
+            <a:r>
+              <a:rPr lang="en-US" sz="2000" b="1" dirty="0"/>
+              <a:t>API Management Service </a:t>
+            </a:r>
+            <a:r>
+              <a:rPr lang="en-US" sz="2000" dirty="0"/>
+              <a:t>and added API endpoints of Kubernetes Load balance IP.</a:t>
+            </a:r>
+          </a:p>
+          <a:p>
+            <a:pPr marL="971550" lvl="1" indent="-514350">
+              <a:buFont typeface="+mj-lt"/>
+              <a:buAutoNum type="romanLcPeriod"/>
+            </a:pPr>
+            <a:r>
+              <a:rPr lang="en-US" sz="2000" dirty="0"/>
+              <a:t>Added all available endpoint and its operation to Endpoint service and validate on Azure.</a:t>
+            </a:r>
+          </a:p>
+          <a:p>
+            <a:pPr marL="971550" lvl="1" indent="-514350">
+              <a:buFont typeface="+mj-lt"/>
+              <a:buAutoNum type="romanLcPeriod"/>
+            </a:pPr>
+            <a:r>
+              <a:rPr lang="en-US" sz="2000" dirty="0"/>
+              <a:t>Added CORS policies to all available endpoint.</a:t>
+            </a:r>
+          </a:p>
+          <a:p>
+            <a:pPr marL="971550" lvl="1" indent="-514350">
+              <a:buFont typeface="+mj-lt"/>
+              <a:buAutoNum type="romanLcPeriod"/>
+            </a:pPr>
+            <a:endParaRPr lang="en-US" sz="2000" dirty="0"/>
           </a:p>
           <a:p>
             <a:r>
@@ -13616,10 +13669,10 @@
       </p:sp>
       <p:pic>
         <p:nvPicPr>
-          <p:cNvPr id="3" name="Graphic 2" descr="Hourglass Finished with solid fill">
+          <p:cNvPr id="4" name="Graphic 3" descr="Checkmark with solid fill">
             <a:extLst>
               <a:ext uri="{FF2B5EF4-FFF2-40B4-BE49-F238E27FC236}">
-                <a16:creationId xmlns:a16="http://schemas.microsoft.com/office/drawing/2014/main" id="{1AEE161C-CD81-4769-8ADF-1EB1FC001957}"/>
+                <a16:creationId xmlns:a16="http://schemas.microsoft.com/office/drawing/2014/main" id="{B8CA8690-104C-409F-AEA3-30E11A84469B}"/>
               </a:ext>
             </a:extLst>
           </p:cNvPr>
@@ -13642,8 +13695,8 @@
         </p:blipFill>
         <p:spPr>
           <a:xfrm>
-            <a:off x="6997148" y="1476393"/>
-            <a:ext cx="708990" cy="708990"/>
+            <a:off x="8905888" y="1616523"/>
+            <a:ext cx="775854" cy="725798"/>
           </a:xfrm>
           <a:prstGeom prst="rect">
             <a:avLst/>
@@ -13694,7 +13747,7 @@
                                           </p:stCondLst>
                                         </p:cTn>
                                         <p:tgtEl>
-                                          <p:spTgt spid="3"/>
+                                          <p:spTgt spid="4"/>
                                         </p:tgtEl>
                                         <p:attrNameLst>
                                           <p:attrName>style.visibility</p:attrName>
@@ -13708,48 +13761,10 @@
                                       <p:cBhvr>
                                         <p:cTn id="7" dur="500"/>
                                         <p:tgtEl>
-                                          <p:spTgt spid="3"/>
+                                          <p:spTgt spid="4"/>
                                         </p:tgtEl>
                                       </p:cBhvr>
                                     </p:animEffect>
-                                  </p:childTnLst>
-                                </p:cTn>
-                              </p:par>
-                            </p:childTnLst>
-                          </p:cTn>
-                        </p:par>
-                      </p:childTnLst>
-                    </p:cTn>
-                  </p:par>
-                  <p:par>
-                    <p:cTn id="8" fill="hold">
-                      <p:stCondLst>
-                        <p:cond delay="indefinite"/>
-                      </p:stCondLst>
-                      <p:childTnLst>
-                        <p:par>
-                          <p:cTn id="9" fill="hold">
-                            <p:stCondLst>
-                              <p:cond delay="0"/>
-                            </p:stCondLst>
-                            <p:childTnLst>
-                              <p:par>
-                                <p:cTn id="10" presetID="8" presetClass="emph" presetSubtype="0" fill="hold" nodeType="clickEffect">
-                                  <p:stCondLst>
-                                    <p:cond delay="0"/>
-                                  </p:stCondLst>
-                                  <p:childTnLst>
-                                    <p:animRot by="21600000">
-                                      <p:cBhvr>
-                                        <p:cTn id="11" dur="2000" fill="hold"/>
-                                        <p:tgtEl>
-                                          <p:spTgt spid="3"/>
-                                        </p:tgtEl>
-                                        <p:attrNameLst>
-                                          <p:attrName>r</p:attrName>
-                                        </p:attrNameLst>
-                                      </p:cBhvr>
-                                    </p:animRot>
                                   </p:childTnLst>
                                 </p:cTn>
                               </p:par>
@@ -14987,24 +15002,6 @@
 </file>
 
 <file path=customXml/item1.xml><?xml version="1.0" encoding="utf-8"?>
-<?mso-contentType ?>
-<FormTemplates xmlns="http://schemas.microsoft.com/sharepoint/v3/contenttype/forms">
-  <Display>DocumentLibraryForm</Display>
-  <Edit>DocumentLibraryForm</Edit>
-  <New>DocumentLibraryForm</New>
-</FormTemplates>
-</file>
-
-<file path=customXml/item2.xml><?xml version="1.0" encoding="utf-8"?>
-<p:properties xmlns:p="http://schemas.microsoft.com/office/2006/metadata/properties" xmlns:xsi="http://www.w3.org/2001/XMLSchema-instance">
-  <documentManagement>
-    <Categories0 xmlns="4d6ad1ba-d08e-4b75-8db3-2812d04b0920">System Elements</Categories0>
-    <Buisness xmlns="4d6ad1ba-d08e-4b75-8db3-2812d04b0920">Corporate</Buisness>
-  </documentManagement>
-</p:properties>
-</file>
-
-<file path=customXml/item3.xml><?xml version="1.0" encoding="utf-8"?>
 <ct:contentTypeSchema xmlns:ct="http://schemas.microsoft.com/office/2006/metadata/contentType" xmlns:ma="http://schemas.microsoft.com/office/2006/metadata/properties/metaAttributes" ct:_="" ma:_="" ma:contentTypeName="Document" ma:contentTypeID="0x01010013DB49D88D31094DA120D26E4D4F3F0E" ma:contentTypeVersion="12" ma:contentTypeDescription="Create a new document." ma:contentTypeScope="" ma:versionID="177528042dfc9983a61241e73ce23cff">
   <xsd:schema xmlns:xsd="http://www.w3.org/2001/XMLSchema" xmlns:xs="http://www.w3.org/2001/XMLSchema" xmlns:p="http://schemas.microsoft.com/office/2006/metadata/properties" xmlns:ns3="4d6ad1ba-d08e-4b75-8db3-2812d04b0920" targetNamespace="http://schemas.microsoft.com/office/2006/metadata/properties" ma:root="true" ma:fieldsID="e7a484c8c8fa8045003fe2170f633c7a" ns3:_="">
     <xsd:import namespace="4d6ad1ba-d08e-4b75-8db3-2812d04b0920"/>
@@ -15150,10 +15147,38 @@
 </ct:contentTypeSchema>
 </file>
 
+<file path=customXml/item2.xml><?xml version="1.0" encoding="utf-8"?>
+<p:properties xmlns:p="http://schemas.microsoft.com/office/2006/metadata/properties" xmlns:xsi="http://www.w3.org/2001/XMLSchema-instance">
+  <documentManagement>
+    <Categories0 xmlns="4d6ad1ba-d08e-4b75-8db3-2812d04b0920">System Elements</Categories0>
+    <Buisness xmlns="4d6ad1ba-d08e-4b75-8db3-2812d04b0920">Corporate</Buisness>
+  </documentManagement>
+</p:properties>
+</file>
+
+<file path=customXml/item3.xml><?xml version="1.0" encoding="utf-8"?>
+<?mso-contentType ?>
+<FormTemplates xmlns="http://schemas.microsoft.com/sharepoint/v3/contenttype/forms">
+  <Display>DocumentLibraryForm</Display>
+  <Edit>DocumentLibraryForm</Edit>
+  <New>DocumentLibraryForm</New>
+</FormTemplates>
+</file>
+
 <file path=customXml/itemProps1.xml><?xml version="1.0" encoding="utf-8"?>
-<ds:datastoreItem xmlns:ds="http://schemas.openxmlformats.org/officeDocument/2006/customXml" ds:itemID="{E0A1B877-42DF-448B-A257-86EBCF04CE7C}">
+<ds:datastoreItem xmlns:ds="http://schemas.openxmlformats.org/officeDocument/2006/customXml" ds:itemID="{3B5A58A0-7396-4B7D-871B-A6C043C61FCB}">
   <ds:schemaRefs>
-    <ds:schemaRef ds:uri="http://schemas.microsoft.com/sharepoint/v3/contenttype/forms"/>
+    <ds:schemaRef ds:uri="http://schemas.microsoft.com/office/2006/metadata/contentType"/>
+    <ds:schemaRef ds:uri="http://schemas.microsoft.com/office/2006/metadata/properties/metaAttributes"/>
+    <ds:schemaRef ds:uri="http://www.w3.org/2001/XMLSchema"/>
+    <ds:schemaRef ds:uri="http://schemas.microsoft.com/office/2006/metadata/properties"/>
+    <ds:schemaRef ds:uri="4d6ad1ba-d08e-4b75-8db3-2812d04b0920"/>
+    <ds:schemaRef ds:uri="http://schemas.microsoft.com/office/2006/documentManagement/types"/>
+    <ds:schemaRef ds:uri="http://schemas.microsoft.com/office/infopath/2007/PartnerControls"/>
+    <ds:schemaRef ds:uri="http://schemas.openxmlformats.org/package/2006/metadata/core-properties"/>
+    <ds:schemaRef ds:uri="http://purl.org/dc/elements/1.1/"/>
+    <ds:schemaRef ds:uri="http://purl.org/dc/terms/"/>
+    <ds:schemaRef ds:uri="http://schemas.microsoft.com/internal/obd"/>
   </ds:schemaRefs>
 </ds:datastoreItem>
 </file>
@@ -15175,19 +15200,9 @@
 </file>
 
 <file path=customXml/itemProps3.xml><?xml version="1.0" encoding="utf-8"?>
-<ds:datastoreItem xmlns:ds="http://schemas.openxmlformats.org/officeDocument/2006/customXml" ds:itemID="{3B5A58A0-7396-4B7D-871B-A6C043C61FCB}">
+<ds:datastoreItem xmlns:ds="http://schemas.openxmlformats.org/officeDocument/2006/customXml" ds:itemID="{E0A1B877-42DF-448B-A257-86EBCF04CE7C}">
   <ds:schemaRefs>
-    <ds:schemaRef ds:uri="http://schemas.microsoft.com/office/2006/metadata/contentType"/>
-    <ds:schemaRef ds:uri="http://schemas.microsoft.com/office/2006/metadata/properties/metaAttributes"/>
-    <ds:schemaRef ds:uri="http://www.w3.org/2001/XMLSchema"/>
-    <ds:schemaRef ds:uri="http://schemas.microsoft.com/office/2006/metadata/properties"/>
-    <ds:schemaRef ds:uri="4d6ad1ba-d08e-4b75-8db3-2812d04b0920"/>
-    <ds:schemaRef ds:uri="http://schemas.microsoft.com/office/2006/documentManagement/types"/>
-    <ds:schemaRef ds:uri="http://schemas.microsoft.com/office/infopath/2007/PartnerControls"/>
-    <ds:schemaRef ds:uri="http://schemas.openxmlformats.org/package/2006/metadata/core-properties"/>
-    <ds:schemaRef ds:uri="http://purl.org/dc/elements/1.1/"/>
-    <ds:schemaRef ds:uri="http://purl.org/dc/terms/"/>
-    <ds:schemaRef ds:uri="http://schemas.microsoft.com/internal/obd"/>
+    <ds:schemaRef ds:uri="http://schemas.microsoft.com/sharepoint/v3/contenttype/forms"/>
   </ds:schemaRefs>
 </ds:datastoreItem>
 </file>